--- a/materials/slides/ch14.pptx
+++ b/materials/slides/ch14.pptx
@@ -46,20 +46,20 @@
   <p:notesSz cx="6858000" cy="9144000"/>
   <p:embeddedFontLst>
     <p:embeddedFont>
+      <p:font typeface="Calibri" panose="020F0502020204030204" pitchFamily="34" charset="0"/>
+      <p:regular r:id="rId36"/>
+      <p:bold r:id="rId37"/>
+      <p:italic r:id="rId38"/>
+      <p:boldItalic r:id="rId39"/>
+    </p:embeddedFont>
+    <p:embeddedFont>
       <p:font typeface="黑体" panose="02010609060101010101" pitchFamily="49" charset="-122"/>
-      <p:regular r:id="rId36"/>
+      <p:regular r:id="rId40"/>
     </p:embeddedFont>
     <p:embeddedFont>
       <p:font typeface="微软雅黑" panose="020B0503020204020204" pitchFamily="34" charset="-122"/>
-      <p:regular r:id="rId37"/>
-      <p:bold r:id="rId38"/>
-    </p:embeddedFont>
-    <p:embeddedFont>
-      <p:font typeface="Calibri" panose="020F0502020204030204" pitchFamily="34" charset="0"/>
-      <p:regular r:id="rId39"/>
-      <p:bold r:id="rId40"/>
-      <p:italic r:id="rId41"/>
-      <p:boldItalic r:id="rId42"/>
+      <p:regular r:id="rId41"/>
+      <p:bold r:id="rId42"/>
     </p:embeddedFont>
   </p:embeddedFontLst>
   <p:defaultTextStyle>
@@ -206,10 +206,6 @@
 </p:presentation>
 </file>
 
-<file path=ppt/revisionInfo.xml><?xml version="1.0" encoding="utf-8"?>
-<p1510:revInfo xmlns:a="http://schemas.openxmlformats.org/drawingml/2006/main" xmlns:r="http://schemas.openxmlformats.org/officeDocument/2006/relationships" xmlns:p1510="http://schemas.microsoft.com/office/powerpoint/2015/10/main"/>
-</file>
-
 <file path=ppt/notesMasters/notesMaster1.xml><?xml version="1.0" encoding="utf-8"?>
 <p:notesMaster xmlns:a="http://schemas.openxmlformats.org/drawingml/2006/main" xmlns:r="http://schemas.openxmlformats.org/officeDocument/2006/relationships" xmlns:p="http://schemas.openxmlformats.org/presentationml/2006/main">
   <p:cSld>
@@ -322,7 +318,7 @@
               <a:pPr>
                 <a:defRPr/>
               </a:pPr>
-              <a:t>2018/2/5</a:t>
+              <a:t>2019/7/16</a:t>
             </a:fld>
             <a:endParaRPr lang="zh-CN" altLang="en-US"/>
           </a:p>
@@ -7912,7 +7908,7 @@
           <a:graphicData uri="http://schemas.openxmlformats.org/presentationml/2006/ole">
             <mc:AlternateContent xmlns:mc="http://schemas.openxmlformats.org/markup-compatibility/2006">
               <mc:Choice xmlns:v="urn:schemas-microsoft-com:vml" Requires="v">
-                <p:oleObj spid="_x0000_s77827" r:id="rId4" imgW="6824520" imgH="1076040" progId="">
+                <p:oleObj spid="_x0000_s77828" r:id="rId4" imgW="6824520" imgH="1076040" progId="">
                   <p:embed/>
                 </p:oleObj>
               </mc:Choice>
@@ -8376,7 +8372,7 @@
               <a:pPr>
                 <a:defRPr/>
               </a:pPr>
-              <a:t>2018/2/5</a:t>
+              <a:t>2019/7/16</a:t>
             </a:fld>
             <a:endParaRPr lang="zh-CN" altLang="en-US"/>
           </a:p>
@@ -8599,7 +8595,7 @@
               <a:pPr>
                 <a:defRPr/>
               </a:pPr>
-              <a:t>2018/2/5</a:t>
+              <a:t>2019/7/16</a:t>
             </a:fld>
             <a:endParaRPr lang="zh-CN" altLang="en-US"/>
           </a:p>
@@ -8788,7 +8784,7 @@
           <a:graphicData uri="http://schemas.openxmlformats.org/presentationml/2006/ole">
             <mc:AlternateContent xmlns:mc="http://schemas.openxmlformats.org/markup-compatibility/2006">
               <mc:Choice xmlns:v="urn:schemas-microsoft-com:vml" Requires="v">
-                <p:oleObj spid="_x0000_s82947" r:id="rId4" imgW="6824520" imgH="1076040" progId="">
+                <p:oleObj spid="_x0000_s82948" r:id="rId4" imgW="6824520" imgH="1076040" progId="">
                   <p:embed/>
                 </p:oleObj>
               </mc:Choice>
@@ -9374,7 +9370,7 @@
           <a:graphicData uri="http://schemas.openxmlformats.org/presentationml/2006/ole">
             <mc:AlternateContent xmlns:mc="http://schemas.openxmlformats.org/markup-compatibility/2006">
               <mc:Choice xmlns:v="urn:schemas-microsoft-com:vml" Requires="v">
-                <p:oleObj spid="_x0000_s83971" r:id="rId4" imgW="6824520" imgH="1076040" progId="">
+                <p:oleObj spid="_x0000_s83972" r:id="rId4" imgW="6824520" imgH="1076040" progId="">
                   <p:embed/>
                 </p:oleObj>
               </mc:Choice>
@@ -9985,7 +9981,7 @@
           <a:graphicData uri="http://schemas.openxmlformats.org/presentationml/2006/ole">
             <mc:AlternateContent xmlns:mc="http://schemas.openxmlformats.org/markup-compatibility/2006">
               <mc:Choice xmlns:v="urn:schemas-microsoft-com:vml" Requires="v">
-                <p:oleObj spid="_x0000_s78851" r:id="rId4" imgW="6824520" imgH="1076040" progId="">
+                <p:oleObj spid="_x0000_s78852" r:id="rId4" imgW="6824520" imgH="1076040" progId="">
                   <p:embed/>
                 </p:oleObj>
               </mc:Choice>
@@ -10554,7 +10550,7 @@
           <a:graphicData uri="http://schemas.openxmlformats.org/presentationml/2006/ole">
             <mc:AlternateContent xmlns:mc="http://schemas.openxmlformats.org/markup-compatibility/2006">
               <mc:Choice xmlns:v="urn:schemas-microsoft-com:vml" Requires="v">
-                <p:oleObj spid="_x0000_s79875" r:id="rId4" imgW="6824520" imgH="1076040" progId="">
+                <p:oleObj spid="_x0000_s79876" r:id="rId4" imgW="6824520" imgH="1076040" progId="">
                   <p:embed/>
                 </p:oleObj>
               </mc:Choice>
@@ -11107,7 +11103,7 @@
           <a:graphicData uri="http://schemas.openxmlformats.org/presentationml/2006/ole">
             <mc:AlternateContent xmlns:mc="http://schemas.openxmlformats.org/markup-compatibility/2006">
               <mc:Choice xmlns:v="urn:schemas-microsoft-com:vml" Requires="v">
-                <p:oleObj spid="_x0000_s80899" r:id="rId4" imgW="6824520" imgH="1076040" progId="">
+                <p:oleObj spid="_x0000_s80900" r:id="rId4" imgW="6824520" imgH="1076040" progId="">
                   <p:embed/>
                 </p:oleObj>
               </mc:Choice>
@@ -11668,7 +11664,7 @@
               <a:pPr>
                 <a:defRPr/>
               </a:pPr>
-              <a:t>2018/2/5</a:t>
+              <a:t>2019/7/16</a:t>
             </a:fld>
             <a:endParaRPr lang="zh-CN" altLang="en-US"/>
           </a:p>
@@ -12132,7 +12128,7 @@
               <a:pPr>
                 <a:defRPr/>
               </a:pPr>
-              <a:t>2018/2/5</a:t>
+              <a:t>2019/7/16</a:t>
             </a:fld>
             <a:endParaRPr lang="zh-CN" altLang="en-US"/>
           </a:p>
@@ -12321,7 +12317,7 @@
           <a:graphicData uri="http://schemas.openxmlformats.org/presentationml/2006/ole">
             <mc:AlternateContent xmlns:mc="http://schemas.openxmlformats.org/markup-compatibility/2006">
               <mc:Choice xmlns:v="urn:schemas-microsoft-com:vml" Requires="v">
-                <p:oleObj spid="_x0000_s81923" r:id="rId4" imgW="6824520" imgH="1076040" progId="">
+                <p:oleObj spid="_x0000_s81924" r:id="rId4" imgW="6824520" imgH="1076040" progId="">
                   <p:embed/>
                 </p:oleObj>
               </mc:Choice>
@@ -12714,7 +12710,7 @@
               <a:pPr>
                 <a:defRPr/>
               </a:pPr>
-              <a:t>2018/2/5</a:t>
+              <a:t>2019/7/16</a:t>
             </a:fld>
             <a:endParaRPr lang="zh-CN" altLang="en-US"/>
           </a:p>
@@ -12854,7 +12850,7 @@
               <a:pPr>
                 <a:defRPr/>
               </a:pPr>
-              <a:t>2018/2/5</a:t>
+              <a:t>2019/7/16</a:t>
             </a:fld>
             <a:endParaRPr lang="zh-CN" altLang="en-US"/>
           </a:p>
@@ -13174,7 +13170,7 @@
               <a:pPr>
                 <a:defRPr/>
               </a:pPr>
-              <a:t>2018/2/5</a:t>
+              <a:t>2019/7/16</a:t>
             </a:fld>
             <a:endParaRPr lang="zh-CN" altLang="en-US"/>
           </a:p>
@@ -13474,7 +13470,7 @@
               <a:pPr>
                 <a:defRPr/>
               </a:pPr>
-              <a:t>2018/2/5</a:t>
+              <a:t>2019/7/16</a:t>
             </a:fld>
             <a:endParaRPr lang="zh-CN" altLang="en-US"/>
           </a:p>
@@ -13860,7 +13856,7 @@
               <a:pPr>
                 <a:defRPr/>
               </a:pPr>
-              <a:t>2018/2/5</a:t>
+              <a:t>2019/7/16</a:t>
             </a:fld>
             <a:endParaRPr lang="zh-CN" altLang="en-US"/>
           </a:p>
@@ -13994,7 +13990,7 @@
           <a:graphicData uri="http://schemas.openxmlformats.org/presentationml/2006/ole">
             <mc:AlternateContent xmlns:mc="http://schemas.openxmlformats.org/markup-compatibility/2006">
               <mc:Choice xmlns:v="urn:schemas-microsoft-com:vml" Requires="v">
-                <p:oleObj spid="_x0000_s1034" r:id="rId17" imgW="6824520" imgH="1076040" progId="">
+                <p:oleObj spid="_x0000_s1035" r:id="rId17" imgW="6824520" imgH="1076040" progId="">
                   <p:embed/>
                 </p:oleObj>
               </mc:Choice>
@@ -21926,14 +21922,14 @@
               </a:buBlip>
             </a:pPr>
             <a:r>
-              <a:rPr lang="en-US" altLang="zh-CN"/>
+              <a:rPr lang="en-US" altLang="zh-CN" dirty="0" err="1"/>
               <a:t>MVC</a:t>
             </a:r>
             <a:r>
-              <a:rPr lang="zh-CN" altLang="en-US"/>
+              <a:rPr lang="zh-CN" altLang="en-US" dirty="0"/>
               <a:t>的起源</a:t>
             </a:r>
-            <a:endParaRPr lang="en-US" altLang="zh-CN"/>
+            <a:endParaRPr lang="en-US" altLang="zh-CN" dirty="0"/>
           </a:p>
           <a:p>
             <a:pPr lvl="1">
@@ -21943,15 +21939,15 @@
               </a:buBlip>
             </a:pPr>
             <a:r>
-              <a:rPr lang="en-US" altLang="zh-CN"/>
+              <a:rPr lang="en-US" altLang="zh-CN" dirty="0" err="1"/>
               <a:t>MVC</a:t>
             </a:r>
             <a:r>
-              <a:rPr lang="zh-CN" altLang="en-US"/>
+              <a:rPr lang="zh-CN" altLang="en-US" dirty="0"/>
               <a:t>架构最早是</a:t>
             </a:r>
             <a:r>
-              <a:rPr lang="en-US" altLang="zh-CN">
+              <a:rPr lang="en-US" altLang="zh-CN" dirty="0" err="1">
                 <a:solidFill>
                   <a:srgbClr val="FF0000"/>
                 </a:solidFill>
@@ -21959,10 +21955,10 @@
               <a:t>smalltalk</a:t>
             </a:r>
             <a:r>
-              <a:rPr lang="zh-CN" altLang="en-US"/>
+              <a:rPr lang="zh-CN" altLang="en-US" dirty="0"/>
               <a:t>语言研究团提出的，应用于用户交互应用程序中。</a:t>
             </a:r>
-            <a:endParaRPr lang="en-US" altLang="zh-CN"/>
+            <a:endParaRPr lang="en-US" altLang="zh-CN" dirty="0"/>
           </a:p>
           <a:p>
             <a:pPr>
@@ -21972,14 +21968,18 @@
               </a:buBlip>
             </a:pPr>
             <a:r>
-              <a:rPr lang="en-US" altLang="zh-CN"/>
+              <a:rPr lang="en-US" altLang="zh-CN" dirty="0" err="1"/>
               <a:t>MVC</a:t>
             </a:r>
             <a:r>
-              <a:rPr lang="zh-CN" altLang="en-US"/>
-              <a:t>的设计思想</a:t>
-            </a:r>
-            <a:endParaRPr lang="en-US" altLang="zh-CN"/>
+              <a:rPr lang="zh-CN" altLang="en-US" dirty="0"/>
+              <a:t>的</a:t>
+            </a:r>
+            <a:r>
+              <a:rPr lang="zh-CN" altLang="en-US"/>
+              <a:t>设计思想 </a:t>
+            </a:r>
+            <a:endParaRPr lang="en-US" altLang="zh-CN" dirty="0"/>
           </a:p>
           <a:p>
             <a:pPr lvl="1">
@@ -21989,11 +21989,11 @@
               </a:buBlip>
             </a:pPr>
             <a:r>
-              <a:rPr lang="zh-CN" altLang="en-US"/>
+              <a:rPr lang="zh-CN" altLang="en-US" dirty="0"/>
               <a:t>把一个应用的输入、处理、输出流程按照</a:t>
             </a:r>
             <a:r>
-              <a:rPr lang="en-US" altLang="zh-CN">
+              <a:rPr lang="en-US" altLang="zh-CN" dirty="0">
                 <a:solidFill>
                   <a:srgbClr val="FF0000"/>
                 </a:solidFill>
@@ -22001,7 +22001,7 @@
               <a:t>Model</a:t>
             </a:r>
             <a:r>
-              <a:rPr lang="zh-CN" altLang="en-US">
+              <a:rPr lang="zh-CN" altLang="en-US" dirty="0">
                 <a:solidFill>
                   <a:srgbClr val="FF0000"/>
                 </a:solidFill>
@@ -22009,7 +22009,7 @@
               <a:t>、</a:t>
             </a:r>
             <a:r>
-              <a:rPr lang="en-US" altLang="zh-CN">
+              <a:rPr lang="en-US" altLang="zh-CN" dirty="0">
                 <a:solidFill>
                   <a:srgbClr val="FF0000"/>
                 </a:solidFill>
@@ -22017,7 +22017,7 @@
               <a:t>View</a:t>
             </a:r>
             <a:r>
-              <a:rPr lang="zh-CN" altLang="en-US">
+              <a:rPr lang="zh-CN" altLang="en-US" dirty="0">
                 <a:solidFill>
                   <a:srgbClr val="FF0000"/>
                 </a:solidFill>
@@ -22025,7 +22025,7 @@
               <a:t>、</a:t>
             </a:r>
             <a:r>
-              <a:rPr lang="en-US" altLang="zh-CN">
+              <a:rPr lang="en-US" altLang="zh-CN" dirty="0">
                 <a:solidFill>
                   <a:srgbClr val="FF0000"/>
                 </a:solidFill>
@@ -22033,7 +22033,7 @@
               <a:t>Controller</a:t>
             </a:r>
             <a:r>
-              <a:rPr lang="zh-CN" altLang="en-US"/>
+              <a:rPr lang="zh-CN" altLang="en-US" dirty="0"/>
               <a:t>的方式进行分离。</a:t>
             </a:r>
           </a:p>
